--- a/fall2016/lectures/8-ControlFlow.pptx
+++ b/fall2016/lectures/8-ControlFlow.pptx
@@ -151,7 +151,7 @@
   </p:defaultTextStyle>
   <p:extLst>
     <p:ext uri="{EFAFB233-063F-42B5-8137-9DF3F51BA10A}">
-      <p15:sldGuideLst xmlns="" xmlns:p15="http://schemas.microsoft.com/office/powerpoint/2012/main" xmlns:mv="urn:schemas-microsoft-com:mac:vml" xmlns:mc="http://schemas.openxmlformats.org/markup-compatibility/2006">
+      <p15:sldGuideLst xmlns:mc="http://schemas.openxmlformats.org/markup-compatibility/2006" xmlns:mv="urn:schemas-microsoft-com:mac:vml" xmlns:p15="http://schemas.microsoft.com/office/powerpoint/2012/main" xmlns="">
         <p15:guide id="1" orient="horz" pos="2160">
           <p15:clr>
             <a:srgbClr val="A4A3A4"/>
@@ -9094,7 +9094,7 @@
             <a:fld id="{E1F349F5-8D7E-4776-AABD-2405072C492C}" type="datetimeFigureOut">
               <a:rPr lang="en-US" smtClean="0"/>
               <a:pPr/>
-              <a:t>10/9/16</a:t>
+              <a:t>10/17/16</a:t>
             </a:fld>
             <a:endParaRPr lang="en-US"/>
           </a:p>
@@ -10393,11 +10393,7 @@
           <a:p>
             <a:r>
               <a:rPr lang="en-US" baseline="0" dirty="0" smtClean="0"/>
-              <a:t>Nevertheless, it hasn’t proved very user friendly</a:t>
-            </a:r>
-            <a:r>
-              <a:rPr lang="en-US" baseline="0" dirty="0" smtClean="0"/>
-              <a:t>.</a:t>
+              <a:t>Nevertheless, it hasn’t proved very user friendly.</a:t>
             </a:r>
           </a:p>
           <a:p>
@@ -11490,11 +11486,7 @@
             </a:r>
             <a:r>
               <a:rPr lang="en-US" baseline="0" dirty="0" smtClean="0"/>
-              <a:t> are two types of secrets, nuclear and biological, and each has a couple of security levels. Of course, being cleared for Secret nuclear documents doesn’t automatically give you any clearance for biological documents. So we need a “lattice” to represent clearance and classification levels</a:t>
-            </a:r>
-            <a:r>
-              <a:rPr lang="en-US" baseline="0" dirty="0" smtClean="0"/>
-              <a:t>.</a:t>
+              <a:t> are two types of secrets, nuclear and biological, and each has a couple of security levels. Of course, being cleared for Secret nuclear documents doesn’t automatically give you any clearance for biological documents. So we need a “lattice” to represent clearance and classification levels.</a:t>
             </a:r>
           </a:p>
           <a:p>
@@ -11505,7 +11497,6 @@
               <a:rPr lang="en-US" baseline="0" dirty="0" smtClean="0"/>
               <a:t>More info: Denning’s Lattice-based Security</a:t>
             </a:r>
-            <a:endParaRPr lang="en-US" baseline="0" dirty="0" smtClean="0"/>
           </a:p>
         </p:txBody>
       </p:sp>
@@ -13664,7 +13655,7 @@
                 </a:solidFill>
               </a:rPr>
               <a:pPr/>
-              <a:t>10/9/16</a:t>
+              <a:t>10/17/16</a:t>
             </a:fld>
             <a:endParaRPr lang="en-US">
               <a:solidFill>
@@ -13866,7 +13857,7 @@
                 </a:solidFill>
               </a:rPr>
               <a:pPr/>
-              <a:t>10/9/16</a:t>
+              <a:t>10/17/16</a:t>
             </a:fld>
             <a:endParaRPr lang="en-US">
               <a:solidFill>
@@ -14078,7 +14069,7 @@
                 </a:solidFill>
               </a:rPr>
               <a:pPr/>
-              <a:t>10/9/16</a:t>
+              <a:t>10/17/16</a:t>
             </a:fld>
             <a:endParaRPr lang="en-US">
               <a:solidFill>
@@ -14280,7 +14271,7 @@
                 </a:solidFill>
               </a:rPr>
               <a:pPr/>
-              <a:t>10/9/16</a:t>
+              <a:t>10/17/16</a:t>
             </a:fld>
             <a:endParaRPr lang="en-US">
               <a:solidFill>
@@ -14558,7 +14549,7 @@
                 </a:solidFill>
               </a:rPr>
               <a:pPr/>
-              <a:t>10/9/16</a:t>
+              <a:t>10/17/16</a:t>
             </a:fld>
             <a:endParaRPr lang="en-US">
               <a:solidFill>
@@ -14878,7 +14869,7 @@
                 </a:solidFill>
               </a:rPr>
               <a:pPr/>
-              <a:t>10/9/16</a:t>
+              <a:t>10/17/16</a:t>
             </a:fld>
             <a:endParaRPr lang="en-US">
               <a:solidFill>
@@ -15332,7 +15323,7 @@
                 </a:solidFill>
               </a:rPr>
               <a:pPr/>
-              <a:t>10/9/16</a:t>
+              <a:t>10/17/16</a:t>
             </a:fld>
             <a:endParaRPr lang="en-US">
               <a:solidFill>
@@ -15482,7 +15473,7 @@
                 </a:solidFill>
               </a:rPr>
               <a:pPr/>
-              <a:t>10/9/16</a:t>
+              <a:t>10/17/16</a:t>
             </a:fld>
             <a:endParaRPr lang="en-US">
               <a:solidFill>
@@ -15609,7 +15600,7 @@
                 </a:solidFill>
               </a:rPr>
               <a:pPr/>
-              <a:t>10/9/16</a:t>
+              <a:t>10/17/16</a:t>
             </a:fld>
             <a:endParaRPr lang="en-US">
               <a:solidFill>
@@ -15918,7 +15909,7 @@
                 </a:solidFill>
               </a:rPr>
               <a:pPr/>
-              <a:t>10/9/16</a:t>
+              <a:t>10/17/16</a:t>
             </a:fld>
             <a:endParaRPr lang="en-US">
               <a:solidFill>
@@ -16203,7 +16194,7 @@
                 </a:solidFill>
               </a:rPr>
               <a:pPr/>
-              <a:t>10/9/16</a:t>
+              <a:t>10/17/16</a:t>
             </a:fld>
             <a:endParaRPr lang="en-US">
               <a:solidFill>
@@ -16448,7 +16439,7 @@
                 </a:solidFill>
               </a:rPr>
               <a:pPr/>
-              <a:t>10/9/16</a:t>
+              <a:t>10/17/16</a:t>
             </a:fld>
             <a:endParaRPr lang="en-US">
               <a:solidFill>
@@ -17515,11 +17506,7 @@
           <a:p>
             <a:r>
               <a:rPr lang="en-US" dirty="0" smtClean="0"/>
-              <a:t>System </a:t>
-            </a:r>
-            <a:r>
-              <a:rPr lang="en-US" dirty="0" smtClean="0"/>
-              <a:t>Layers</a:t>
+              <a:t>System Layers</a:t>
             </a:r>
             <a:endParaRPr lang="en-US" dirty="0"/>
           </a:p>
@@ -17560,11 +17547,11 @@
   <p:clrMapOvr>
     <a:masterClrMapping/>
   </p:clrMapOvr>
-  <mc:AlternateContent xmlns:mc="http://schemas.openxmlformats.org/markup-compatibility/2006">
-    <mc:Choice xmlns:p14="http://schemas.microsoft.com/office/powerpoint/2010/main" Requires="p14">
+  <mc:AlternateContent xmlns:mc="http://schemas.openxmlformats.org/markup-compatibility/2006" xmlns:p14="http://schemas.microsoft.com/office/powerpoint/2010/main">
+    <mc:Choice Requires="p14">
       <p:transition spd="slow" p14:dur="2000"/>
     </mc:Choice>
-    <mc:Fallback>
+    <mc:Fallback xmlns="">
       <p:transition xmlns:p14="http://schemas.microsoft.com/office/powerpoint/2010/main" spd="slow"/>
     </mc:Fallback>
   </mc:AlternateContent>
@@ -17618,11 +17605,7 @@
             <a:pPr algn="l"/>
             <a:r>
               <a:rPr lang="en-US" dirty="0" smtClean="0"/>
-              <a:t>System </a:t>
-            </a:r>
-            <a:r>
-              <a:rPr lang="en-US" dirty="0" smtClean="0"/>
-              <a:t>Layers</a:t>
+              <a:t>System Layers</a:t>
             </a:r>
             <a:endParaRPr lang="en-US" dirty="0"/>
           </a:p>
@@ -17780,11 +17763,11 @@
   <p:clrMapOvr>
     <a:masterClrMapping/>
   </p:clrMapOvr>
-  <mc:AlternateContent xmlns:mc="http://schemas.openxmlformats.org/markup-compatibility/2006">
-    <mc:Choice xmlns:p14="http://schemas.microsoft.com/office/powerpoint/2010/main" Requires="p14">
+  <mc:AlternateContent xmlns:mc="http://schemas.openxmlformats.org/markup-compatibility/2006" xmlns:p14="http://schemas.microsoft.com/office/powerpoint/2010/main">
+    <mc:Choice Requires="p14">
       <p:transition spd="slow" p14:dur="2000"/>
     </mc:Choice>
-    <mc:Fallback>
+    <mc:Fallback xmlns="">
       <p:transition xmlns:p14="http://schemas.microsoft.com/office/powerpoint/2010/main" spd="slow"/>
     </mc:Fallback>
   </mc:AlternateContent>
@@ -17968,22 +17951,14 @@
             <a:pPr lvl="1"/>
             <a:r>
               <a:rPr lang="en-US" dirty="0" smtClean="0"/>
-              <a:t>Door </a:t>
-            </a:r>
+              <a:t>Door fingerprint reader</a:t>
+            </a:r>
+          </a:p>
+          <a:p>
+            <a:pPr lvl="1"/>
             <a:r>
               <a:rPr lang="en-US" dirty="0" smtClean="0"/>
-              <a:t>fingerprint reader</a:t>
-            </a:r>
-          </a:p>
-          <a:p>
-            <a:pPr lvl="1"/>
-            <a:r>
-              <a:rPr lang="en-US" dirty="0" smtClean="0"/>
-              <a:t>Passport </a:t>
-            </a:r>
-            <a:r>
-              <a:rPr lang="en-US" dirty="0" smtClean="0"/>
-              <a:t>control</a:t>
+              <a:t>Passport control</a:t>
             </a:r>
           </a:p>
           <a:p>
@@ -17993,35 +17968,20 @@
           <a:p>
             <a:r>
               <a:rPr lang="en-US" dirty="0" smtClean="0"/>
-              <a:t>Identity/authentication </a:t>
-            </a:r>
+              <a:t>Identity/authentication needed</a:t>
+            </a:r>
+          </a:p>
+          <a:p>
             <a:r>
               <a:rPr lang="en-US" dirty="0" smtClean="0"/>
-              <a:t>needed</a:t>
-            </a:r>
-            <a:endParaRPr lang="en-US" dirty="0" smtClean="0"/>
+              <a:t>Delegation not possible</a:t>
+            </a:r>
           </a:p>
           <a:p>
             <a:r>
               <a:rPr lang="en-US" dirty="0" smtClean="0"/>
-              <a:t>Delegation not </a:t>
-            </a:r>
-            <a:r>
-              <a:rPr lang="en-US" dirty="0" smtClean="0"/>
-              <a:t>possible</a:t>
-            </a:r>
-            <a:endParaRPr lang="en-US" dirty="0" smtClean="0"/>
-          </a:p>
-          <a:p>
-            <a:r>
-              <a:rPr lang="en-US" dirty="0" smtClean="0"/>
-              <a:t>Lower user/client security </a:t>
-            </a:r>
-            <a:r>
-              <a:rPr lang="en-US" dirty="0" smtClean="0"/>
-              <a:t>risk</a:t>
-            </a:r>
-            <a:endParaRPr lang="en-US" dirty="0" smtClean="0"/>
+              <a:t>Lower user/client security risk</a:t>
+            </a:r>
           </a:p>
           <a:p>
             <a:r>
@@ -18093,11 +18053,7 @@
             <a:pPr lvl="1"/>
             <a:r>
               <a:rPr lang="en-US" dirty="0" smtClean="0"/>
-              <a:t>Regular </a:t>
-            </a:r>
-            <a:r>
-              <a:rPr lang="en-US" dirty="0" smtClean="0"/>
-              <a:t>key</a:t>
+              <a:t>Regular key</a:t>
             </a:r>
           </a:p>
           <a:p>
@@ -18106,51 +18062,27 @@
               <a:rPr lang="en-US" dirty="0" smtClean="0"/>
               <a:t>Concert ticket</a:t>
             </a:r>
+          </a:p>
+          <a:p>
             <a:endParaRPr lang="en-US" dirty="0" smtClean="0"/>
           </a:p>
           <a:p>
-            <a:endParaRPr lang="en-US" dirty="0" smtClean="0"/>
-          </a:p>
-          <a:p>
             <a:r>
               <a:rPr lang="en-US" dirty="0" smtClean="0"/>
-              <a:t>Identity n</a:t>
-            </a:r>
+              <a:t>Identity not needed (more privacy)</a:t>
+            </a:r>
+          </a:p>
+          <a:p>
             <a:r>
               <a:rPr lang="en-US" dirty="0" smtClean="0"/>
-              <a:t>ot </a:t>
-            </a:r>
+              <a:t>Just copy the capability/token</a:t>
+            </a:r>
+          </a:p>
+          <a:p>
             <a:r>
               <a:rPr lang="en-US" dirty="0" smtClean="0"/>
-              <a:t>needed (more privacy</a:t>
-            </a:r>
-            <a:r>
-              <a:rPr lang="en-US" dirty="0" smtClean="0"/>
-              <a:t>)</a:t>
-            </a:r>
-            <a:endParaRPr lang="en-US" dirty="0" smtClean="0"/>
-          </a:p>
-          <a:p>
-            <a:r>
-              <a:rPr lang="en-US" dirty="0" smtClean="0"/>
-              <a:t>Just copy the capability/</a:t>
-            </a:r>
-            <a:r>
-              <a:rPr lang="en-US" dirty="0" smtClean="0"/>
-              <a:t>token</a:t>
-            </a:r>
-            <a:endParaRPr lang="en-US" dirty="0" smtClean="0"/>
-          </a:p>
-          <a:p>
-            <a:r>
-              <a:rPr lang="en-US" dirty="0" smtClean="0"/>
-              <a:t>Capabilities can “get away from you</a:t>
-            </a:r>
-            <a:r>
-              <a:rPr lang="en-US" dirty="0" smtClean="0"/>
-              <a:t>”</a:t>
-            </a:r>
-            <a:endParaRPr lang="en-US" dirty="0" smtClean="0"/>
+              <a:t>Capabilities can “get away from you”</a:t>
+            </a:r>
           </a:p>
           <a:p>
             <a:r>
@@ -18171,11 +18103,11 @@
   <p:clrMapOvr>
     <a:masterClrMapping/>
   </p:clrMapOvr>
-  <mc:AlternateContent xmlns:mc="http://schemas.openxmlformats.org/markup-compatibility/2006">
-    <mc:Choice xmlns:p14="http://schemas.microsoft.com/office/powerpoint/2010/main" Requires="p14">
+  <mc:AlternateContent xmlns:mc="http://schemas.openxmlformats.org/markup-compatibility/2006" xmlns:p14="http://schemas.microsoft.com/office/powerpoint/2010/main">
+    <mc:Choice Requires="p14">
       <p:transition spd="slow" p14:dur="2000"/>
     </mc:Choice>
-    <mc:Fallback>
+    <mc:Fallback xmlns="">
       <p:transition xmlns:p14="http://schemas.microsoft.com/office/powerpoint/2010/main" spd="slow"/>
     </mc:Fallback>
   </mc:AlternateContent>
@@ -18425,11 +18357,11 @@
   <p:clrMapOvr>
     <a:masterClrMapping/>
   </p:clrMapOvr>
-  <mc:AlternateContent xmlns:mc="http://schemas.openxmlformats.org/markup-compatibility/2006">
-    <mc:Choice xmlns:p14="http://schemas.microsoft.com/office/powerpoint/2010/main" Requires="p14">
+  <mc:AlternateContent xmlns:mc="http://schemas.openxmlformats.org/markup-compatibility/2006" xmlns:p14="http://schemas.microsoft.com/office/powerpoint/2010/main">
+    <mc:Choice Requires="p14">
       <p:transition spd="slow" p14:dur="2000"/>
     </mc:Choice>
-    <mc:Fallback>
+    <mc:Fallback xmlns="">
       <p:transition xmlns:p14="http://schemas.microsoft.com/office/powerpoint/2010/main" spd="slow"/>
     </mc:Fallback>
   </mc:AlternateContent>
@@ -18690,11 +18622,7 @@
           <a:p>
             <a:r>
               <a:rPr lang="en-US" dirty="0" smtClean="0"/>
-              <a:t>Typical </a:t>
-            </a:r>
-            <a:r>
-              <a:rPr lang="en-US" dirty="0" smtClean="0"/>
-              <a:t>Security </a:t>
+              <a:t>Typical Security </a:t>
             </a:r>
             <a:r>
               <a:rPr lang="en-US" dirty="0"/>
@@ -19121,11 +19049,11 @@
   <p:clrMapOvr>
     <a:masterClrMapping/>
   </p:clrMapOvr>
-  <mc:AlternateContent xmlns:mc="http://schemas.openxmlformats.org/markup-compatibility/2006">
-    <mc:Choice xmlns:p14="http://schemas.microsoft.com/office/powerpoint/2010/main" Requires="p14">
+  <mc:AlternateContent xmlns:mc="http://schemas.openxmlformats.org/markup-compatibility/2006" xmlns:p14="http://schemas.microsoft.com/office/powerpoint/2010/main">
+    <mc:Choice Requires="p14">
       <p:transition spd="slow" p14:dur="2000"/>
     </mc:Choice>
-    <mc:Fallback>
+    <mc:Fallback xmlns="">
       <p:transition xmlns:p14="http://schemas.microsoft.com/office/powerpoint/2010/main" spd="slow"/>
     </mc:Fallback>
   </mc:AlternateContent>
@@ -19173,15 +19101,7 @@
           <a:p>
             <a:r>
               <a:rPr lang="en-US" dirty="0" smtClean="0"/>
-              <a:t>Access </a:t>
-            </a:r>
-            <a:r>
-              <a:rPr lang="en-US" dirty="0" smtClean="0"/>
-              <a:t>Control </a:t>
-            </a:r>
-            <a:r>
-              <a:rPr lang="en-US" dirty="0" smtClean="0"/>
-              <a:t>using ACLs</a:t>
+              <a:t>Access Control using ACLs</a:t>
             </a:r>
             <a:endParaRPr lang="en-US" dirty="0"/>
           </a:p>
@@ -19679,11 +19599,11 @@
   <p:clrMapOvr>
     <a:masterClrMapping/>
   </p:clrMapOvr>
-  <mc:AlternateContent xmlns:mc="http://schemas.openxmlformats.org/markup-compatibility/2006">
-    <mc:Choice xmlns:p14="http://schemas.microsoft.com/office/powerpoint/2010/main" Requires="p14">
+  <mc:AlternateContent xmlns:mc="http://schemas.openxmlformats.org/markup-compatibility/2006" xmlns:p14="http://schemas.microsoft.com/office/powerpoint/2010/main">
+    <mc:Choice Requires="p14">
       <p:transition spd="slow" p14:dur="2000"/>
     </mc:Choice>
-    <mc:Fallback>
+    <mc:Fallback xmlns="">
       <p:transition xmlns:p14="http://schemas.microsoft.com/office/powerpoint/2010/main" spd="slow"/>
     </mc:Fallback>
   </mc:AlternateContent>
@@ -19731,11 +19651,7 @@
           <a:p>
             <a:r>
               <a:rPr lang="en-US" dirty="0" smtClean="0"/>
-              <a:t>OS Security </a:t>
-            </a:r>
-            <a:r>
-              <a:rPr lang="en-US" dirty="0" smtClean="0"/>
-              <a:t>Goals</a:t>
+              <a:t>OS Security Goals</a:t>
             </a:r>
             <a:endParaRPr lang="en-US" dirty="0"/>
           </a:p>
@@ -19806,11 +19722,11 @@
   <p:clrMapOvr>
     <a:masterClrMapping/>
   </p:clrMapOvr>
-  <mc:AlternateContent xmlns:mc="http://schemas.openxmlformats.org/markup-compatibility/2006">
-    <mc:Choice xmlns:p14="http://schemas.microsoft.com/office/powerpoint/2010/main" Requires="p14">
+  <mc:AlternateContent xmlns:mc="http://schemas.openxmlformats.org/markup-compatibility/2006" xmlns:p14="http://schemas.microsoft.com/office/powerpoint/2010/main">
+    <mc:Choice Requires="p14">
       <p:transition spd="slow" p14:dur="2000"/>
     </mc:Choice>
-    <mc:Fallback>
+    <mc:Fallback xmlns="">
       <p:transition xmlns:p14="http://schemas.microsoft.com/office/powerpoint/2010/main" spd="slow"/>
     </mc:Fallback>
   </mc:AlternateContent>
@@ -19989,11 +19905,7 @@
           <a:p>
             <a:r>
               <a:rPr lang="en-US" dirty="0" smtClean="0"/>
-              <a:t>Example: Unix </a:t>
-            </a:r>
-            <a:r>
-              <a:rPr lang="en-US" dirty="0" smtClean="0"/>
-              <a:t>Access </a:t>
+              <a:t>Example: Unix Access </a:t>
             </a:r>
             <a:r>
               <a:rPr lang="en-US" dirty="0"/>
@@ -20066,11 +19978,11 @@
   <p:clrMapOvr>
     <a:masterClrMapping/>
   </p:clrMapOvr>
-  <mc:AlternateContent xmlns:mc="http://schemas.openxmlformats.org/markup-compatibility/2006">
-    <mc:Choice xmlns:p14="http://schemas.microsoft.com/office/powerpoint/2010/main" Requires="p14">
+  <mc:AlternateContent xmlns:mc="http://schemas.openxmlformats.org/markup-compatibility/2006" xmlns:p14="http://schemas.microsoft.com/office/powerpoint/2010/main">
+    <mc:Choice Requires="p14">
       <p:transition spd="slow" p14:dur="2000"/>
     </mc:Choice>
-    <mc:Fallback>
+    <mc:Fallback xmlns="">
       <p:transition xmlns:p14="http://schemas.microsoft.com/office/powerpoint/2010/main" spd="slow"/>
     </mc:Fallback>
   </mc:AlternateContent>
@@ -20120,11 +20032,7 @@
           <a:p>
             <a:r>
               <a:rPr lang="en-US" dirty="0" smtClean="0"/>
-              <a:t>Unix: Simplified </a:t>
-            </a:r>
-            <a:r>
-              <a:rPr lang="en-US" dirty="0" smtClean="0"/>
-              <a:t>Access </a:t>
+              <a:t>Unix: Simplified Access </a:t>
             </a:r>
             <a:r>
               <a:rPr lang="en-US" dirty="0"/>
@@ -20168,13 +20076,8 @@
             </a:pPr>
             <a:r>
               <a:rPr lang="en-US" dirty="0" smtClean="0"/>
-              <a:t>Subject: </a:t>
-            </a:r>
-            <a:r>
-              <a:rPr lang="en-US" dirty="0" smtClean="0"/>
-              <a:t>User-space Process</a:t>
-            </a:r>
-            <a:endParaRPr lang="en-US" dirty="0" smtClean="0"/>
+              <a:t>Subject: User-space Process</a:t>
+            </a:r>
           </a:p>
           <a:p>
             <a:pPr lvl="1"/>
@@ -20299,13 +20202,7 @@
               <a:rPr lang="en-US" sz="2800" dirty="0" smtClean="0">
                 <a:latin typeface="Lucida Sans" panose="020B0602030504020204" pitchFamily="34" charset="0"/>
               </a:rPr>
-              <a:t>H</a:t>
-            </a:r>
-            <a:r>
-              <a:rPr lang="en-US" sz="2800" dirty="0" smtClean="0">
-                <a:latin typeface="Lucida Sans" panose="020B0602030504020204" pitchFamily="34" charset="0"/>
-              </a:rPr>
-              <a:t>ack!</a:t>
+              <a:t>Hack!</a:t>
             </a:r>
             <a:endParaRPr lang="en-US" sz="2800" dirty="0">
               <a:latin typeface="Lucida Sans" panose="020B0602030504020204" pitchFamily="34" charset="0"/>
@@ -20323,11 +20220,11 @@
   <p:clrMapOvr>
     <a:masterClrMapping/>
   </p:clrMapOvr>
-  <mc:AlternateContent xmlns:mc="http://schemas.openxmlformats.org/markup-compatibility/2006">
-    <mc:Choice xmlns:p14="http://schemas.microsoft.com/office/powerpoint/2010/main" Requires="p14">
+  <mc:AlternateContent xmlns:mc="http://schemas.openxmlformats.org/markup-compatibility/2006" xmlns:p14="http://schemas.microsoft.com/office/powerpoint/2010/main">
+    <mc:Choice Requires="p14">
       <p:transition spd="slow" p14:dur="2000"/>
     </mc:Choice>
-    <mc:Fallback>
+    <mc:Fallback xmlns="">
       <p:transition xmlns:p14="http://schemas.microsoft.com/office/powerpoint/2010/main" spd="slow"/>
     </mc:Fallback>
   </mc:AlternateContent>
@@ -20550,11 +20447,7 @@
           <a:p>
             <a:r>
               <a:rPr lang="en-US" dirty="0" smtClean="0"/>
-              <a:t>Android </a:t>
-            </a:r>
-            <a:r>
-              <a:rPr lang="en-US" dirty="0" smtClean="0"/>
-              <a:t>Access </a:t>
+              <a:t>Android Access </a:t>
             </a:r>
             <a:r>
               <a:rPr lang="en-US" dirty="0"/>
@@ -20619,11 +20512,11 @@
   <p:clrMapOvr>
     <a:masterClrMapping/>
   </p:clrMapOvr>
-  <mc:AlternateContent xmlns:mc="http://schemas.openxmlformats.org/markup-compatibility/2006">
-    <mc:Choice xmlns:p14="http://schemas.microsoft.com/office/powerpoint/2010/main" Requires="p14">
+  <mc:AlternateContent xmlns:mc="http://schemas.openxmlformats.org/markup-compatibility/2006" xmlns:p14="http://schemas.microsoft.com/office/powerpoint/2010/main">
+    <mc:Choice Requires="p14">
       <p:transition spd="slow" p14:dur="2000"/>
     </mc:Choice>
-    <mc:Fallback>
+    <mc:Fallback xmlns="">
       <p:transition xmlns:p14="http://schemas.microsoft.com/office/powerpoint/2010/main" spd="slow"/>
     </mc:Fallback>
   </mc:AlternateContent>
@@ -20678,11 +20571,7 @@
           <a:p>
             <a:r>
               <a:rPr lang="en-US" dirty="0" smtClean="0"/>
-              <a:t>Android </a:t>
-            </a:r>
-            <a:r>
-              <a:rPr lang="en-US" dirty="0" smtClean="0"/>
-              <a:t>Manifest </a:t>
+              <a:t>Android Manifest </a:t>
             </a:r>
             <a:r>
               <a:rPr lang="en-US" dirty="0"/>
@@ -20754,11 +20643,11 @@
   <p:clrMapOvr>
     <a:masterClrMapping/>
   </p:clrMapOvr>
-  <mc:AlternateContent xmlns:mc="http://schemas.openxmlformats.org/markup-compatibility/2006">
-    <mc:Choice xmlns:p14="http://schemas.microsoft.com/office/powerpoint/2010/main" Requires="p14">
+  <mc:AlternateContent xmlns:mc="http://schemas.openxmlformats.org/markup-compatibility/2006" xmlns:p14="http://schemas.microsoft.com/office/powerpoint/2010/main">
+    <mc:Choice Requires="p14">
       <p:transition spd="slow" p14:dur="2000"/>
     </mc:Choice>
-    <mc:Fallback>
+    <mc:Fallback xmlns="">
       <p:transition xmlns:p14="http://schemas.microsoft.com/office/powerpoint/2010/main" spd="slow"/>
     </mc:Fallback>
   </mc:AlternateContent>
@@ -20960,11 +20849,11 @@
   <p:clrMapOvr>
     <a:masterClrMapping/>
   </p:clrMapOvr>
-  <mc:AlternateContent xmlns:mc="http://schemas.openxmlformats.org/markup-compatibility/2006">
-    <mc:Choice xmlns:p14="http://schemas.microsoft.com/office/powerpoint/2010/main" Requires="p14">
+  <mc:AlternateContent xmlns:mc="http://schemas.openxmlformats.org/markup-compatibility/2006" xmlns:p14="http://schemas.microsoft.com/office/powerpoint/2010/main">
+    <mc:Choice Requires="p14">
       <p:transition spd="slow" p14:dur="2000"/>
     </mc:Choice>
-    <mc:Fallback>
+    <mc:Fallback xmlns="">
       <p:transition xmlns:p14="http://schemas.microsoft.com/office/powerpoint/2010/main" spd="slow"/>
     </mc:Fallback>
   </mc:AlternateContent>
@@ -21012,15 +20901,7 @@
           <a:p>
             <a:r>
               <a:rPr lang="en-US" dirty="0" smtClean="0"/>
-              <a:t>Smartphone </a:t>
-            </a:r>
-            <a:r>
-              <a:rPr lang="en-US" dirty="0" smtClean="0"/>
-              <a:t>Model vs. </a:t>
-            </a:r>
-            <a:r>
-              <a:rPr lang="en-US" dirty="0" smtClean="0"/>
-              <a:t>PC </a:t>
+              <a:t>Smartphone Model vs. PC </a:t>
             </a:r>
             <a:r>
               <a:rPr lang="en-US" dirty="0"/>
@@ -21111,11 +20992,11 @@
   <p:clrMapOvr>
     <a:masterClrMapping/>
   </p:clrMapOvr>
-  <mc:AlternateContent xmlns:mc="http://schemas.openxmlformats.org/markup-compatibility/2006">
-    <mc:Choice xmlns:p14="http://schemas.microsoft.com/office/powerpoint/2010/main" Requires="p14">
+  <mc:AlternateContent xmlns:mc="http://schemas.openxmlformats.org/markup-compatibility/2006" xmlns:p14="http://schemas.microsoft.com/office/powerpoint/2010/main">
+    <mc:Choice Requires="p14">
       <p:transition spd="slow" p14:dur="2000"/>
     </mc:Choice>
-    <mc:Fallback>
+    <mc:Fallback xmlns="">
       <p:transition xmlns:p14="http://schemas.microsoft.com/office/powerpoint/2010/main" spd="slow"/>
     </mc:Fallback>
   </mc:AlternateContent>
@@ -21165,11 +21046,7 @@
           <a:p>
             <a:r>
               <a:rPr lang="en-US" dirty="0" smtClean="0"/>
-              <a:t>Understanding </a:t>
-            </a:r>
-            <a:r>
-              <a:rPr lang="en-US" dirty="0" smtClean="0"/>
-              <a:t>Subject, Verb, Object</a:t>
+              <a:t>Understanding Subject, Verb, Object</a:t>
             </a:r>
             <a:endParaRPr lang="en-US" dirty="0"/>
           </a:p>
@@ -21285,11 +21162,11 @@
   <p:clrMapOvr>
     <a:masterClrMapping/>
   </p:clrMapOvr>
-  <mc:AlternateContent xmlns:mc="http://schemas.openxmlformats.org/markup-compatibility/2006">
-    <mc:Choice xmlns:p14="http://schemas.microsoft.com/office/powerpoint/2010/main" Requires="p14">
+  <mc:AlternateContent xmlns:mc="http://schemas.openxmlformats.org/markup-compatibility/2006" xmlns:p14="http://schemas.microsoft.com/office/powerpoint/2010/main">
+    <mc:Choice Requires="p14">
       <p:transition spd="slow" p14:dur="2000"/>
     </mc:Choice>
-    <mc:Fallback>
+    <mc:Fallback xmlns="">
       <p:transition xmlns:p14="http://schemas.microsoft.com/office/powerpoint/2010/main" spd="slow"/>
     </mc:Fallback>
   </mc:AlternateContent>
@@ -21380,11 +21257,7 @@
           <a:p>
             <a:r>
               <a:rPr lang="en-US" dirty="0" smtClean="0"/>
-              <a:t>Evolution of OS </a:t>
-            </a:r>
-            <a:r>
-              <a:rPr lang="en-US" dirty="0" smtClean="0"/>
-              <a:t>Threat </a:t>
+              <a:t>Evolution of OS Threat </a:t>
             </a:r>
             <a:r>
               <a:rPr lang="en-US" dirty="0"/>
@@ -22077,11 +21950,11 @@
   <p:clrMapOvr>
     <a:masterClrMapping/>
   </p:clrMapOvr>
-  <mc:AlternateContent xmlns:mc="http://schemas.openxmlformats.org/markup-compatibility/2006">
-    <mc:Choice xmlns:p14="http://schemas.microsoft.com/office/powerpoint/2010/main" Requires="p14">
+  <mc:AlternateContent xmlns:mc="http://schemas.openxmlformats.org/markup-compatibility/2006" xmlns:p14="http://schemas.microsoft.com/office/powerpoint/2010/main">
+    <mc:Choice Requires="p14">
       <p:transition spd="slow" p14:dur="2000"/>
     </mc:Choice>
-    <mc:Fallback>
+    <mc:Fallback xmlns="">
       <p:transition xmlns:p14="http://schemas.microsoft.com/office/powerpoint/2010/main" spd="slow"/>
     </mc:Fallback>
   </mc:AlternateContent>
@@ -22403,11 +22276,7 @@
           <a:p>
             <a:r>
               <a:rPr lang="en-US" dirty="0" smtClean="0"/>
-              <a:t>Access </a:t>
-            </a:r>
-            <a:r>
-              <a:rPr lang="en-US" dirty="0" smtClean="0"/>
-              <a:t>Control Policy </a:t>
+              <a:t>Access Control Policy </a:t>
             </a:r>
             <a:endParaRPr lang="en-US" dirty="0"/>
           </a:p>
@@ -22510,11 +22379,11 @@
   <p:clrMapOvr>
     <a:masterClrMapping/>
   </p:clrMapOvr>
-  <mc:AlternateContent xmlns:mc="http://schemas.openxmlformats.org/markup-compatibility/2006">
-    <mc:Choice xmlns:p14="http://schemas.microsoft.com/office/powerpoint/2010/main" Requires="p14">
+  <mc:AlternateContent xmlns:mc="http://schemas.openxmlformats.org/markup-compatibility/2006" xmlns:p14="http://schemas.microsoft.com/office/powerpoint/2010/main">
+    <mc:Choice Requires="p14">
       <p:transition spd="slow" p14:dur="2000"/>
     </mc:Choice>
-    <mc:Fallback>
+    <mc:Fallback xmlns="">
       <p:transition xmlns:p14="http://schemas.microsoft.com/office/powerpoint/2010/main" spd="slow"/>
     </mc:Fallback>
   </mc:AlternateContent>
@@ -22593,11 +22462,7 @@
           <a:p>
             <a:r>
               <a:rPr lang="en-US" dirty="0" smtClean="0"/>
-              <a:t>Too much </a:t>
-            </a:r>
-            <a:r>
-              <a:rPr lang="en-US" dirty="0" smtClean="0"/>
-              <a:t>complexity</a:t>
+              <a:t>Too much complexity</a:t>
             </a:r>
             <a:endParaRPr lang="en-US" dirty="0"/>
           </a:p>
@@ -22608,26 +22473,14 @@
             </a:r>
             <a:r>
               <a:rPr lang="en-US" dirty="0" smtClean="0"/>
-              <a:t>oo </a:t>
-            </a:r>
+              <a:t>oo many decisions</a:t>
+            </a:r>
+          </a:p>
+          <a:p>
+            <a:pPr lvl="1"/>
             <a:r>
               <a:rPr lang="en-US" dirty="0" smtClean="0"/>
-              <a:t>many </a:t>
-            </a:r>
-            <a:r>
-              <a:rPr lang="en-US" dirty="0" smtClean="0"/>
-              <a:t>decisions</a:t>
-            </a:r>
-          </a:p>
-          <a:p>
-            <a:pPr lvl="1"/>
-            <a:r>
-              <a:rPr lang="en-US" dirty="0" smtClean="0"/>
-              <a:t>#</a:t>
-            </a:r>
-            <a:r>
-              <a:rPr lang="en-US" dirty="0" smtClean="0"/>
-              <a:t>principals    x    #actions    x    #objects</a:t>
+              <a:t>#principals    x    #actions    x    #objects</a:t>
             </a:r>
           </a:p>
           <a:p>
@@ -22645,11 +22498,11 @@
   <p:clrMapOvr>
     <a:masterClrMapping/>
   </p:clrMapOvr>
-  <mc:AlternateContent xmlns:mc="http://schemas.openxmlformats.org/markup-compatibility/2006">
-    <mc:Choice xmlns:p14="http://schemas.microsoft.com/office/powerpoint/2010/main" Requires="p14">
+  <mc:AlternateContent xmlns:mc="http://schemas.openxmlformats.org/markup-compatibility/2006" xmlns:p14="http://schemas.microsoft.com/office/powerpoint/2010/main">
+    <mc:Choice Requires="p14">
       <p:transition spd="slow" p14:dur="2000"/>
     </mc:Choice>
-    <mc:Fallback>
+    <mc:Fallback xmlns="">
       <p:transition xmlns:p14="http://schemas.microsoft.com/office/powerpoint/2010/main" spd="slow"/>
     </mc:Fallback>
   </mc:AlternateContent>
@@ -22974,11 +22827,11 @@
   <p:clrMapOvr>
     <a:masterClrMapping/>
   </p:clrMapOvr>
-  <mc:AlternateContent xmlns:mc="http://schemas.openxmlformats.org/markup-compatibility/2006">
-    <mc:Choice xmlns:p14="http://schemas.microsoft.com/office/powerpoint/2010/main" Requires="p14">
+  <mc:AlternateContent xmlns:mc="http://schemas.openxmlformats.org/markup-compatibility/2006" xmlns:p14="http://schemas.microsoft.com/office/powerpoint/2010/main">
+    <mc:Choice Requires="p14">
       <p:transition spd="slow" p14:dur="2000"/>
     </mc:Choice>
-    <mc:Fallback>
+    <mc:Fallback xmlns="">
       <p:transition xmlns:p14="http://schemas.microsoft.com/office/powerpoint/2010/main" spd="slow"/>
     </mc:Fallback>
   </mc:AlternateContent>
@@ -23028,11 +22881,7 @@
           <a:p>
             <a:r>
               <a:rPr lang="en-US" dirty="0" smtClean="0"/>
-              <a:t>Sometimes </a:t>
-            </a:r>
-            <a:r>
-              <a:rPr lang="en-US" dirty="0" smtClean="0"/>
-              <a:t>There’s </a:t>
+              <a:t>Sometimes There’s </a:t>
             </a:r>
             <a:r>
               <a:rPr lang="en-US" dirty="0"/>
@@ -23056,15 +22905,7 @@
             </a:r>
             <a:r>
               <a:rPr lang="en-US" dirty="0" smtClean="0"/>
-              <a:t>rder</a:t>
-            </a:r>
-            <a:r>
-              <a:rPr lang="en-US" dirty="0" smtClean="0"/>
-              <a:t>:					Lattice-based </a:t>
-            </a:r>
-            <a:r>
-              <a:rPr lang="en-US" dirty="0" smtClean="0"/>
-              <a:t>Access </a:t>
+              <a:t>rder:					Lattice-based Access </a:t>
             </a:r>
             <a:r>
               <a:rPr lang="en-US" dirty="0"/>
@@ -23864,11 +23705,11 @@
   <p:clrMapOvr>
     <a:masterClrMapping/>
   </p:clrMapOvr>
-  <mc:AlternateContent xmlns:mc="http://schemas.openxmlformats.org/markup-compatibility/2006">
-    <mc:Choice xmlns:p14="http://schemas.microsoft.com/office/powerpoint/2010/main" Requires="p14">
+  <mc:AlternateContent xmlns:mc="http://schemas.openxmlformats.org/markup-compatibility/2006" xmlns:p14="http://schemas.microsoft.com/office/powerpoint/2010/main">
+    <mc:Choice Requires="p14">
       <p:transition spd="slow" p14:dur="2000"/>
     </mc:Choice>
-    <mc:Fallback>
+    <mc:Fallback xmlns="">
       <p:transition xmlns:p14="http://schemas.microsoft.com/office/powerpoint/2010/main" spd="slow"/>
     </mc:Fallback>
   </mc:AlternateContent>
@@ -23916,27 +23757,7 @@
           <a:p>
             <a:r>
               <a:rPr lang="en-US" dirty="0" smtClean="0"/>
-              <a:t>Other </a:t>
-            </a:r>
-            <a:r>
-              <a:rPr lang="en-US" dirty="0" smtClean="0"/>
-              <a:t>Abstractions</a:t>
-            </a:r>
-            <a:r>
-              <a:rPr lang="en-US" dirty="0" smtClean="0"/>
-              <a:t>: </a:t>
-            </a:r>
-            <a:r>
-              <a:rPr lang="en-US" dirty="0" smtClean="0"/>
-              <a:t>Roles</a:t>
-            </a:r>
-            <a:r>
-              <a:rPr lang="en-US" dirty="0" smtClean="0"/>
-              <a:t>, </a:t>
-            </a:r>
-            <a:r>
-              <a:rPr lang="en-US" dirty="0" smtClean="0"/>
-              <a:t>Groups</a:t>
+              <a:t>Other Abstractions: Roles, Groups</a:t>
             </a:r>
             <a:endParaRPr lang="en-US" dirty="0"/>
           </a:p>
@@ -23990,11 +23811,11 @@
   <p:clrMapOvr>
     <a:masterClrMapping/>
   </p:clrMapOvr>
-  <mc:AlternateContent xmlns:mc="http://schemas.openxmlformats.org/markup-compatibility/2006">
-    <mc:Choice xmlns:p14="http://schemas.microsoft.com/office/powerpoint/2010/main" Requires="p14">
+  <mc:AlternateContent xmlns:mc="http://schemas.openxmlformats.org/markup-compatibility/2006" xmlns:p14="http://schemas.microsoft.com/office/powerpoint/2010/main">
+    <mc:Choice Requires="p14">
       <p:transition spd="slow" p14:dur="2000"/>
     </mc:Choice>
-    <mc:Fallback>
+    <mc:Fallback xmlns="">
       <p:transition xmlns:p14="http://schemas.microsoft.com/office/powerpoint/2010/main" spd="slow"/>
     </mc:Fallback>
   </mc:AlternateContent>
@@ -24049,11 +23870,7 @@
           <a:p>
             <a:r>
               <a:rPr lang="en-US" dirty="0" smtClean="0"/>
-              <a:t>Simplifying </a:t>
-            </a:r>
-            <a:r>
-              <a:rPr lang="en-US" dirty="0" smtClean="0"/>
-              <a:t>Access </a:t>
+              <a:t>Simplifying Access </a:t>
             </a:r>
             <a:r>
               <a:rPr lang="en-US" dirty="0"/>
@@ -24061,11 +23878,7 @@
             </a:r>
             <a:r>
               <a:rPr lang="en-US" dirty="0" smtClean="0"/>
-              <a:t>ontrol</a:t>
-            </a:r>
-            <a:r>
-              <a:rPr lang="en-US" dirty="0" smtClean="0"/>
-              <a:t>:</a:t>
+              <a:t>ontrol:</a:t>
             </a:r>
             <a:br>
               <a:rPr lang="en-US" dirty="0" smtClean="0"/>
@@ -24076,19 +23889,7 @@
             </a:r>
             <a:r>
               <a:rPr lang="en-US" dirty="0" smtClean="0"/>
-              <a:t>	Emphasize </a:t>
-            </a:r>
-            <a:r>
-              <a:rPr lang="en-US" dirty="0" smtClean="0"/>
-              <a:t>Action </a:t>
-            </a:r>
-            <a:r>
-              <a:rPr lang="en-US" dirty="0" smtClean="0"/>
-              <a:t>over </a:t>
-            </a:r>
-            <a:r>
-              <a:rPr lang="en-US" dirty="0" smtClean="0"/>
-              <a:t>Configuration</a:t>
+              <a:t>	Emphasize Action over Configuration</a:t>
             </a:r>
             <a:endParaRPr lang="en-US" dirty="0"/>
           </a:p>
@@ -24207,11 +24008,11 @@
   <p:clrMapOvr>
     <a:masterClrMapping/>
   </p:clrMapOvr>
-  <mc:AlternateContent xmlns:mc="http://schemas.openxmlformats.org/markup-compatibility/2006">
-    <mc:Choice xmlns:p14="http://schemas.microsoft.com/office/powerpoint/2010/main" Requires="p14">
+  <mc:AlternateContent xmlns:mc="http://schemas.openxmlformats.org/markup-compatibility/2006" xmlns:p14="http://schemas.microsoft.com/office/powerpoint/2010/main">
+    <mc:Choice Requires="p14">
       <p:transition spd="slow" p14:dur="2000"/>
     </mc:Choice>
-    <mc:Fallback>
+    <mc:Fallback xmlns="">
       <p:transition xmlns:p14="http://schemas.microsoft.com/office/powerpoint/2010/main" spd="slow"/>
     </mc:Fallback>
   </mc:AlternateContent>
@@ -24259,19 +24060,7 @@
           <a:p>
             <a:r>
               <a:rPr lang="en-US" dirty="0" smtClean="0"/>
-              <a:t>Capabilities: </a:t>
-            </a:r>
-            <a:r>
-              <a:rPr lang="en-US" dirty="0" smtClean="0"/>
-              <a:t>Alternative </a:t>
-            </a:r>
-            <a:r>
-              <a:rPr lang="en-US" dirty="0" smtClean="0"/>
-              <a:t>to </a:t>
-            </a:r>
-            <a:r>
-              <a:rPr lang="en-US" dirty="0" smtClean="0"/>
-              <a:t>ACLs</a:t>
+              <a:t>Capabilities: Alternative to ACLs</a:t>
             </a:r>
             <a:endParaRPr lang="en-US" dirty="0"/>
           </a:p>
@@ -24299,11 +24088,7 @@
           <a:p>
             <a:r>
               <a:rPr lang="en-US" dirty="0" smtClean="0"/>
-              <a:t>Combines </a:t>
-            </a:r>
-            <a:r>
-              <a:rPr lang="en-US" dirty="0" smtClean="0"/>
-              <a:t>resource locator and permission</a:t>
+              <a:t>Combines resource locator and permission</a:t>
             </a:r>
           </a:p>
           <a:p>
@@ -24328,11 +24113,11 @@
   <p:clrMapOvr>
     <a:masterClrMapping/>
   </p:clrMapOvr>
-  <mc:AlternateContent xmlns:mc="http://schemas.openxmlformats.org/markup-compatibility/2006">
-    <mc:Choice xmlns:p14="http://schemas.microsoft.com/office/powerpoint/2010/main" Requires="p14">
+  <mc:AlternateContent xmlns:mc="http://schemas.openxmlformats.org/markup-compatibility/2006" xmlns:p14="http://schemas.microsoft.com/office/powerpoint/2010/main">
+    <mc:Choice Requires="p14">
       <p:transition spd="slow" p14:dur="2000"/>
     </mc:Choice>
-    <mc:Fallback>
+    <mc:Fallback xmlns="">
       <p:transition xmlns:p14="http://schemas.microsoft.com/office/powerpoint/2010/main" spd="slow"/>
     </mc:Fallback>
   </mc:AlternateContent>
@@ -24382,15 +24167,7 @@
           <a:p>
             <a:r>
               <a:rPr lang="en-US" dirty="0" smtClean="0"/>
-              <a:t>Google </a:t>
-            </a:r>
-            <a:r>
-              <a:rPr lang="en-US" dirty="0" smtClean="0"/>
-              <a:t>Docs</a:t>
-            </a:r>
-            <a:r>
-              <a:rPr lang="en-US" dirty="0" smtClean="0"/>
-              <a:t/>
+              <a:t>Google Docs</a:t>
             </a:r>
             <a:br>
               <a:rPr lang="en-US" dirty="0" smtClean="0"/>
@@ -24445,11 +24222,11 @@
   <p:clrMapOvr>
     <a:masterClrMapping/>
   </p:clrMapOvr>
-  <mc:AlternateContent xmlns:mc="http://schemas.openxmlformats.org/markup-compatibility/2006">
-    <mc:Choice xmlns:p14="http://schemas.microsoft.com/office/powerpoint/2010/main" Requires="p14">
+  <mc:AlternateContent xmlns:mc="http://schemas.openxmlformats.org/markup-compatibility/2006" xmlns:p14="http://schemas.microsoft.com/office/powerpoint/2010/main">
+    <mc:Choice Requires="p14">
       <p:transition spd="slow" p14:dur="2000"/>
     </mc:Choice>
-    <mc:Fallback>
+    <mc:Fallback xmlns="">
       <p:transition xmlns:p14="http://schemas.microsoft.com/office/powerpoint/2010/main" spd="slow"/>
     </mc:Fallback>
   </mc:AlternateContent>
@@ -24497,15 +24274,7 @@
           <a:p>
             <a:r>
               <a:rPr lang="en-US" dirty="0" smtClean="0"/>
-              <a:t>Example of </a:t>
-            </a:r>
-            <a:r>
-              <a:rPr lang="en-US" dirty="0" smtClean="0"/>
-              <a:t>Capability </a:t>
-            </a:r>
-            <a:r>
-              <a:rPr lang="en-US" dirty="0" smtClean="0"/>
-              <a:t>URL</a:t>
+              <a:t>Example of Capability URL</a:t>
             </a:r>
             <a:endParaRPr lang="en-US" dirty="0"/>
           </a:p>
@@ -24578,11 +24347,11 @@
   <p:clrMapOvr>
     <a:masterClrMapping/>
   </p:clrMapOvr>
-  <mc:AlternateContent xmlns:mc="http://schemas.openxmlformats.org/markup-compatibility/2006">
-    <mc:Choice xmlns:p14="http://schemas.microsoft.com/office/powerpoint/2010/main" Requires="p14">
+  <mc:AlternateContent xmlns:mc="http://schemas.openxmlformats.org/markup-compatibility/2006" xmlns:p14="http://schemas.microsoft.com/office/powerpoint/2010/main">
+    <mc:Choice Requires="p14">
       <p:transition spd="slow" p14:dur="2000"/>
     </mc:Choice>
-    <mc:Fallback>
+    <mc:Fallback xmlns="">
       <p:transition xmlns:p14="http://schemas.microsoft.com/office/powerpoint/2010/main" spd="slow"/>
     </mc:Fallback>
   </mc:AlternateContent>
@@ -24684,11 +24453,7 @@
             </a:r>
             <a:r>
               <a:rPr lang="en-US" dirty="0" smtClean="0"/>
-              <a:t> </a:t>
-            </a:r>
-            <a:r>
-              <a:rPr lang="en-US" dirty="0" smtClean="0"/>
-              <a:t>systems do.</a:t>
+              <a:t> systems do.</a:t>
             </a:r>
             <a:endParaRPr lang="en-US" dirty="0"/>
           </a:p>
@@ -24901,19 +24666,7 @@
           <a:p>
             <a:r>
               <a:rPr lang="en-US" dirty="0" smtClean="0"/>
-              <a:t>What’s </a:t>
-            </a:r>
-            <a:r>
-              <a:rPr lang="en-US" dirty="0" smtClean="0"/>
-              <a:t>Old </a:t>
-            </a:r>
-            <a:r>
-              <a:rPr lang="en-US" dirty="0" smtClean="0"/>
-              <a:t>is </a:t>
-            </a:r>
-            <a:r>
-              <a:rPr lang="en-US" dirty="0" smtClean="0"/>
-              <a:t>New </a:t>
+              <a:t>What’s Old is New </a:t>
             </a:r>
             <a:r>
               <a:rPr lang="en-US" dirty="0"/>
@@ -24979,13 +24732,8 @@
             <a:pPr lvl="1"/>
             <a:r>
               <a:rPr lang="en-US" dirty="0" smtClean="0"/>
-              <a:t>Single user, untrusted apps (web pages</a:t>
-            </a:r>
-            <a:r>
-              <a:rPr lang="en-US" dirty="0" smtClean="0"/>
-              <a:t>)</a:t>
-            </a:r>
-            <a:endParaRPr lang="en-US" dirty="0" smtClean="0"/>
+              <a:t>Single user, untrusted apps (web pages)</a:t>
+            </a:r>
           </a:p>
         </p:txBody>
       </p:sp>
@@ -24999,11 +24747,11 @@
   <p:clrMapOvr>
     <a:masterClrMapping/>
   </p:clrMapOvr>
-  <mc:AlternateContent xmlns:mc="http://schemas.openxmlformats.org/markup-compatibility/2006">
-    <mc:Choice xmlns:p14="http://schemas.microsoft.com/office/powerpoint/2010/main" Requires="p14">
+  <mc:AlternateContent xmlns:mc="http://schemas.openxmlformats.org/markup-compatibility/2006" xmlns:p14="http://schemas.microsoft.com/office/powerpoint/2010/main">
+    <mc:Choice Requires="p14">
       <p:transition spd="slow" p14:dur="2000"/>
     </mc:Choice>
-    <mc:Fallback>
+    <mc:Fallback xmlns="">
       <p:transition xmlns:p14="http://schemas.microsoft.com/office/powerpoint/2010/main" spd="slow"/>
     </mc:Fallback>
   </mc:AlternateContent>
@@ -25198,23 +24946,7 @@
           <a:p>
             <a:r>
               <a:rPr lang="en-US" dirty="0" smtClean="0"/>
-              <a:t>Understanding </a:t>
-            </a:r>
-            <a:r>
-              <a:rPr lang="en-US" dirty="0" smtClean="0"/>
-              <a:t>Subject</a:t>
-            </a:r>
-            <a:r>
-              <a:rPr lang="en-US" dirty="0" smtClean="0"/>
-              <a:t>, </a:t>
-            </a:r>
-            <a:r>
-              <a:rPr lang="en-US" dirty="0" smtClean="0"/>
-              <a:t>Verb</a:t>
-            </a:r>
-            <a:r>
-              <a:rPr lang="en-US" dirty="0" smtClean="0"/>
-              <a:t>, </a:t>
+              <a:t>Understanding Subject, Verb, </a:t>
             </a:r>
             <a:r>
               <a:rPr lang="en-US" dirty="0"/>
@@ -25254,15 +24986,7 @@
                   <a:srgbClr val="4F81BE"/>
                 </a:solidFill>
               </a:rPr>
-              <a:t>Thought Question</a:t>
-            </a:r>
-            <a:r>
-              <a:rPr lang="en-US" dirty="0" smtClean="0">
-                <a:solidFill>
-                  <a:srgbClr val="4F81BE"/>
-                </a:solidFill>
-              </a:rPr>
-              <a:t>: </a:t>
+              <a:t>Thought Question: </a:t>
             </a:r>
             <a:br>
               <a:rPr lang="en-US" dirty="0" smtClean="0">
@@ -25277,15 +25001,7 @@
                   <a:srgbClr val="4F81BE"/>
                 </a:solidFill>
               </a:rPr>
-              <a:t>Consider </a:t>
-            </a:r>
-            <a:r>
-              <a:rPr lang="en-US" dirty="0" smtClean="0">
-                <a:solidFill>
-                  <a:srgbClr val="4F81BE"/>
-                </a:solidFill>
-              </a:rPr>
-              <a:t>PC OS and smartphone OS.</a:t>
+              <a:t>Consider PC OS and smartphone OS.</a:t>
             </a:r>
           </a:p>
           <a:p>
@@ -25543,28 +25259,12 @@
               <a:rPr lang="en-US" dirty="0" smtClean="0"/>
               <a:t>Anti-DRM campaign: </a:t>
             </a:r>
-            <a:r>
-              <a:rPr lang="en-US" dirty="0" smtClean="0"/>
-              <a:t/>
-            </a:r>
             <a:br>
               <a:rPr lang="en-US" dirty="0" smtClean="0"/>
             </a:br>
             <a:r>
               <a:rPr lang="en-US" dirty="0" smtClean="0"/>
-              <a:t>“</a:t>
-            </a:r>
-            <a:r>
-              <a:rPr lang="en-US" dirty="0" smtClean="0"/>
-              <a:t>Defective </a:t>
-            </a:r>
-            <a:r>
-              <a:rPr lang="en-US" dirty="0" smtClean="0"/>
-              <a:t>by Design</a:t>
-            </a:r>
-            <a:r>
-              <a:rPr lang="en-US" dirty="0" smtClean="0"/>
-              <a:t>”</a:t>
+              <a:t>“Defective by Design”</a:t>
             </a:r>
             <a:endParaRPr lang="en-US" dirty="0"/>
           </a:p>
@@ -25796,11 +25496,7 @@
           <a:p>
             <a:r>
               <a:rPr lang="en-US" dirty="0" smtClean="0"/>
-              <a:t>Facebook: </a:t>
-            </a:r>
-            <a:r>
-              <a:rPr lang="en-US" dirty="0" smtClean="0"/>
-              <a:t>Variety of Access Controls</a:t>
+              <a:t>Facebook: Variety of Access Controls</a:t>
             </a:r>
             <a:endParaRPr lang="en-US" dirty="0"/>
           </a:p>
@@ -26171,11 +25867,7 @@
           <a:p>
             <a:r>
               <a:rPr lang="en-US" dirty="0" smtClean="0"/>
-              <a:t>OS control is triggered through interrupts, system </a:t>
-            </a:r>
-            <a:r>
-              <a:rPr lang="en-US" dirty="0" smtClean="0"/>
-              <a:t>calls</a:t>
+              <a:t>OS control is triggered through interrupts, system calls</a:t>
             </a:r>
           </a:p>
           <a:p>
@@ -26200,11 +25892,11 @@
   <p:clrMapOvr>
     <a:masterClrMapping/>
   </p:clrMapOvr>
-  <mc:AlternateContent xmlns:mc="http://schemas.openxmlformats.org/markup-compatibility/2006">
-    <mc:Choice xmlns:p14="http://schemas.microsoft.com/office/powerpoint/2010/main" Requires="p14">
+  <mc:AlternateContent xmlns:mc="http://schemas.openxmlformats.org/markup-compatibility/2006" xmlns:p14="http://schemas.microsoft.com/office/powerpoint/2010/main">
+    <mc:Choice Requires="p14">
       <p:transition spd="slow" p14:dur="2000"/>
     </mc:Choice>
-    <mc:Fallback>
+    <mc:Fallback xmlns="">
       <p:transition xmlns:p14="http://schemas.microsoft.com/office/powerpoint/2010/main" spd="slow"/>
     </mc:Fallback>
   </mc:AlternateContent>
@@ -26885,11 +26577,11 @@
   <p:clrMapOvr>
     <a:masterClrMapping/>
   </p:clrMapOvr>
-  <mc:AlternateContent xmlns:mc="http://schemas.openxmlformats.org/markup-compatibility/2006">
-    <mc:Choice xmlns:p14="http://schemas.microsoft.com/office/powerpoint/2010/main" Requires="p14">
+  <mc:AlternateContent xmlns:mc="http://schemas.openxmlformats.org/markup-compatibility/2006" xmlns:p14="http://schemas.microsoft.com/office/powerpoint/2010/main">
+    <mc:Choice Requires="p14">
       <p:transition spd="slow" p14:dur="2000"/>
     </mc:Choice>
-    <mc:Fallback>
+    <mc:Fallback xmlns="">
       <p:transition xmlns:p14="http://schemas.microsoft.com/office/powerpoint/2010/main" spd="slow"/>
     </mc:Fallback>
   </mc:AlternateContent>
